--- a/3.Defects/Defects.pptx
+++ b/3.Defects/Defects.pptx
@@ -129,7 +129,7 @@
   </p:defaultTextStyle>
   <p:extLst>
     <p:ext uri="{EFAFB233-063F-42B5-8137-9DF3F51BA10A}">
-      <p15:sldGuideLst xmlns:p15="http://schemas.microsoft.com/office/powerpoint/2012/main">
+      <p15:sldGuideLst xmlns="" xmlns:p15="http://schemas.microsoft.com/office/powerpoint/2012/main">
         <p15:guide id="1" orient="horz" pos="2160">
           <p15:clr>
             <a:srgbClr val="A4A3A4"/>
@@ -3434,7 +3434,7 @@
         <p:spPr>
           <a:xfrm>
             <a:off x="2083907" y="2017855"/>
-            <a:ext cx="3522118" cy="400110"/>
+            <a:ext cx="5614037" cy="400110"/>
           </a:xfrm>
           <a:prstGeom prst="rect">
             <a:avLst/>
@@ -3448,11 +3448,18 @@
           <a:lstStyle/>
           <a:p>
             <a:r>
+              <a:rPr lang="en-US" sz="2000" dirty="0" smtClean="0">
+                <a:latin typeface="Aharoni" pitchFamily="2" charset="-79"/>
+                <a:cs typeface="Aharoni" pitchFamily="2" charset="-79"/>
+              </a:rPr>
+              <a:t>Is everything related to </a:t>
+            </a:r>
+            <a:r>
               <a:rPr lang="en-US" sz="2000" dirty="0">
                 <a:latin typeface="Aharoni" pitchFamily="2" charset="-79"/>
                 <a:cs typeface="Aharoni" pitchFamily="2" charset="-79"/>
               </a:rPr>
-              <a:t>What is program </a:t>
+              <a:t>program </a:t>
             </a:r>
             <a:r>
               <a:rPr lang="en-US" sz="2000" dirty="0" smtClean="0">
@@ -3498,7 +3505,21 @@
                 <a:latin typeface="Aharoni" pitchFamily="2" charset="-79"/>
                 <a:cs typeface="Aharoni" pitchFamily="2" charset="-79"/>
               </a:rPr>
-              <a:t>What about requirements?</a:t>
+              <a:t>What about </a:t>
+            </a:r>
+            <a:r>
+              <a:rPr lang="en-US" sz="2000" dirty="0" smtClean="0">
+                <a:latin typeface="Aharoni" pitchFamily="2" charset="-79"/>
+                <a:cs typeface="Aharoni" pitchFamily="2" charset="-79"/>
+              </a:rPr>
+              <a:t>requirements</a:t>
+            </a:r>
+            <a:r>
+              <a:rPr lang="en-US" sz="2000" dirty="0">
+                <a:latin typeface="Aharoni" pitchFamily="2" charset="-79"/>
+                <a:cs typeface="Aharoni" pitchFamily="2" charset="-79"/>
+              </a:rPr>
+              <a:t>?</a:t>
             </a:r>
           </a:p>
         </p:txBody>
@@ -3593,9 +3614,396 @@
   <p:timing>
     <p:tnLst>
       <p:par>
-        <p:cTn id="1" dur="indefinite" restart="never" nodeType="tmRoot"/>
+        <p:cTn id="1" dur="indefinite" restart="never" nodeType="tmRoot">
+          <p:childTnLst>
+            <p:seq concurrent="1" nextAc="seek">
+              <p:cTn id="2" dur="indefinite" nodeType="mainSeq">
+                <p:childTnLst>
+                  <p:par>
+                    <p:cTn id="3" fill="hold">
+                      <p:stCondLst>
+                        <p:cond delay="indefinite"/>
+                      </p:stCondLst>
+                      <p:childTnLst>
+                        <p:par>
+                          <p:cTn id="4" fill="hold">
+                            <p:stCondLst>
+                              <p:cond delay="0"/>
+                            </p:stCondLst>
+                            <p:childTnLst>
+                              <p:par>
+                                <p:cTn id="5" presetID="42" presetClass="entr" presetSubtype="0" fill="hold" nodeType="clickEffect">
+                                  <p:stCondLst>
+                                    <p:cond delay="0"/>
+                                  </p:stCondLst>
+                                  <p:childTnLst>
+                                    <p:set>
+                                      <p:cBhvr>
+                                        <p:cTn id="6" dur="1" fill="hold">
+                                          <p:stCondLst>
+                                            <p:cond delay="0"/>
+                                          </p:stCondLst>
+                                        </p:cTn>
+                                        <p:tgtEl>
+                                          <p:spTgt spid="7"/>
+                                        </p:tgtEl>
+                                        <p:attrNameLst>
+                                          <p:attrName>style.visibility</p:attrName>
+                                        </p:attrNameLst>
+                                      </p:cBhvr>
+                                      <p:to>
+                                        <p:strVal val="visible"/>
+                                      </p:to>
+                                    </p:set>
+                                    <p:animEffect transition="in" filter="fade">
+                                      <p:cBhvr>
+                                        <p:cTn id="7" dur="1000"/>
+                                        <p:tgtEl>
+                                          <p:spTgt spid="7"/>
+                                        </p:tgtEl>
+                                      </p:cBhvr>
+                                    </p:animEffect>
+                                    <p:anim calcmode="lin" valueType="num">
+                                      <p:cBhvr>
+                                        <p:cTn id="8" dur="1000" fill="hold"/>
+                                        <p:tgtEl>
+                                          <p:spTgt spid="7"/>
+                                        </p:tgtEl>
+                                        <p:attrNameLst>
+                                          <p:attrName>ppt_x</p:attrName>
+                                        </p:attrNameLst>
+                                      </p:cBhvr>
+                                      <p:tavLst>
+                                        <p:tav tm="0">
+                                          <p:val>
+                                            <p:strVal val="#ppt_x"/>
+                                          </p:val>
+                                        </p:tav>
+                                        <p:tav tm="100000">
+                                          <p:val>
+                                            <p:strVal val="#ppt_x"/>
+                                          </p:val>
+                                        </p:tav>
+                                      </p:tavLst>
+                                    </p:anim>
+                                    <p:anim calcmode="lin" valueType="num">
+                                      <p:cBhvr>
+                                        <p:cTn id="9" dur="1000" fill="hold"/>
+                                        <p:tgtEl>
+                                          <p:spTgt spid="7"/>
+                                        </p:tgtEl>
+                                        <p:attrNameLst>
+                                          <p:attrName>ppt_y</p:attrName>
+                                        </p:attrNameLst>
+                                      </p:cBhvr>
+                                      <p:tavLst>
+                                        <p:tav tm="0">
+                                          <p:val>
+                                            <p:strVal val="#ppt_y+.1"/>
+                                          </p:val>
+                                        </p:tav>
+                                        <p:tav tm="100000">
+                                          <p:val>
+                                            <p:strVal val="#ppt_y"/>
+                                          </p:val>
+                                        </p:tav>
+                                      </p:tavLst>
+                                    </p:anim>
+                                  </p:childTnLst>
+                                </p:cTn>
+                              </p:par>
+                              <p:par>
+                                <p:cTn id="10" presetID="42" presetClass="entr" presetSubtype="0" fill="hold" grpId="0" nodeType="withEffect">
+                                  <p:stCondLst>
+                                    <p:cond delay="0"/>
+                                  </p:stCondLst>
+                                  <p:childTnLst>
+                                    <p:set>
+                                      <p:cBhvr>
+                                        <p:cTn id="11" dur="1" fill="hold">
+                                          <p:stCondLst>
+                                            <p:cond delay="0"/>
+                                          </p:stCondLst>
+                                        </p:cTn>
+                                        <p:tgtEl>
+                                          <p:spTgt spid="9"/>
+                                        </p:tgtEl>
+                                        <p:attrNameLst>
+                                          <p:attrName>style.visibility</p:attrName>
+                                        </p:attrNameLst>
+                                      </p:cBhvr>
+                                      <p:to>
+                                        <p:strVal val="visible"/>
+                                      </p:to>
+                                    </p:set>
+                                    <p:animEffect transition="in" filter="fade">
+                                      <p:cBhvr>
+                                        <p:cTn id="12" dur="1000"/>
+                                        <p:tgtEl>
+                                          <p:spTgt spid="9"/>
+                                        </p:tgtEl>
+                                      </p:cBhvr>
+                                    </p:animEffect>
+                                    <p:anim calcmode="lin" valueType="num">
+                                      <p:cBhvr>
+                                        <p:cTn id="13" dur="1000" fill="hold"/>
+                                        <p:tgtEl>
+                                          <p:spTgt spid="9"/>
+                                        </p:tgtEl>
+                                        <p:attrNameLst>
+                                          <p:attrName>ppt_x</p:attrName>
+                                        </p:attrNameLst>
+                                      </p:cBhvr>
+                                      <p:tavLst>
+                                        <p:tav tm="0">
+                                          <p:val>
+                                            <p:strVal val="#ppt_x"/>
+                                          </p:val>
+                                        </p:tav>
+                                        <p:tav tm="100000">
+                                          <p:val>
+                                            <p:strVal val="#ppt_x"/>
+                                          </p:val>
+                                        </p:tav>
+                                      </p:tavLst>
+                                    </p:anim>
+                                    <p:anim calcmode="lin" valueType="num">
+                                      <p:cBhvr>
+                                        <p:cTn id="14" dur="1000" fill="hold"/>
+                                        <p:tgtEl>
+                                          <p:spTgt spid="9"/>
+                                        </p:tgtEl>
+                                        <p:attrNameLst>
+                                          <p:attrName>ppt_y</p:attrName>
+                                        </p:attrNameLst>
+                                      </p:cBhvr>
+                                      <p:tavLst>
+                                        <p:tav tm="0">
+                                          <p:val>
+                                            <p:strVal val="#ppt_y+.1"/>
+                                          </p:val>
+                                        </p:tav>
+                                        <p:tav tm="100000">
+                                          <p:val>
+                                            <p:strVal val="#ppt_y"/>
+                                          </p:val>
+                                        </p:tav>
+                                      </p:tavLst>
+                                    </p:anim>
+                                  </p:childTnLst>
+                                </p:cTn>
+                              </p:par>
+                            </p:childTnLst>
+                          </p:cTn>
+                        </p:par>
+                      </p:childTnLst>
+                    </p:cTn>
+                  </p:par>
+                  <p:par>
+                    <p:cTn id="15" fill="hold">
+                      <p:stCondLst>
+                        <p:cond delay="indefinite"/>
+                      </p:stCondLst>
+                      <p:childTnLst>
+                        <p:par>
+                          <p:cTn id="16" fill="hold">
+                            <p:stCondLst>
+                              <p:cond delay="0"/>
+                            </p:stCondLst>
+                            <p:childTnLst>
+                              <p:par>
+                                <p:cTn id="17" presetID="42" presetClass="entr" presetSubtype="0" fill="hold" nodeType="clickEffect">
+                                  <p:stCondLst>
+                                    <p:cond delay="0"/>
+                                  </p:stCondLst>
+                                  <p:childTnLst>
+                                    <p:set>
+                                      <p:cBhvr>
+                                        <p:cTn id="18" dur="1" fill="hold">
+                                          <p:stCondLst>
+                                            <p:cond delay="0"/>
+                                          </p:stCondLst>
+                                        </p:cTn>
+                                        <p:tgtEl>
+                                          <p:spTgt spid="13"/>
+                                        </p:tgtEl>
+                                        <p:attrNameLst>
+                                          <p:attrName>style.visibility</p:attrName>
+                                        </p:attrNameLst>
+                                      </p:cBhvr>
+                                      <p:to>
+                                        <p:strVal val="visible"/>
+                                      </p:to>
+                                    </p:set>
+                                    <p:animEffect transition="in" filter="fade">
+                                      <p:cBhvr>
+                                        <p:cTn id="19" dur="1000"/>
+                                        <p:tgtEl>
+                                          <p:spTgt spid="13"/>
+                                        </p:tgtEl>
+                                      </p:cBhvr>
+                                    </p:animEffect>
+                                    <p:anim calcmode="lin" valueType="num">
+                                      <p:cBhvr>
+                                        <p:cTn id="20" dur="1000" fill="hold"/>
+                                        <p:tgtEl>
+                                          <p:spTgt spid="13"/>
+                                        </p:tgtEl>
+                                        <p:attrNameLst>
+                                          <p:attrName>ppt_x</p:attrName>
+                                        </p:attrNameLst>
+                                      </p:cBhvr>
+                                      <p:tavLst>
+                                        <p:tav tm="0">
+                                          <p:val>
+                                            <p:strVal val="#ppt_x"/>
+                                          </p:val>
+                                        </p:tav>
+                                        <p:tav tm="100000">
+                                          <p:val>
+                                            <p:strVal val="#ppt_x"/>
+                                          </p:val>
+                                        </p:tav>
+                                      </p:tavLst>
+                                    </p:anim>
+                                    <p:anim calcmode="lin" valueType="num">
+                                      <p:cBhvr>
+                                        <p:cTn id="21" dur="1000" fill="hold"/>
+                                        <p:tgtEl>
+                                          <p:spTgt spid="13"/>
+                                        </p:tgtEl>
+                                        <p:attrNameLst>
+                                          <p:attrName>ppt_y</p:attrName>
+                                        </p:attrNameLst>
+                                      </p:cBhvr>
+                                      <p:tavLst>
+                                        <p:tav tm="0">
+                                          <p:val>
+                                            <p:strVal val="#ppt_y+.1"/>
+                                          </p:val>
+                                        </p:tav>
+                                        <p:tav tm="100000">
+                                          <p:val>
+                                            <p:strVal val="#ppt_y"/>
+                                          </p:val>
+                                        </p:tav>
+                                      </p:tavLst>
+                                    </p:anim>
+                                  </p:childTnLst>
+                                </p:cTn>
+                              </p:par>
+                              <p:par>
+                                <p:cTn id="22" presetID="42" presetClass="entr" presetSubtype="0" fill="hold" grpId="0" nodeType="withEffect">
+                                  <p:stCondLst>
+                                    <p:cond delay="0"/>
+                                  </p:stCondLst>
+                                  <p:childTnLst>
+                                    <p:set>
+                                      <p:cBhvr>
+                                        <p:cTn id="23" dur="1" fill="hold">
+                                          <p:stCondLst>
+                                            <p:cond delay="0"/>
+                                          </p:stCondLst>
+                                        </p:cTn>
+                                        <p:tgtEl>
+                                          <p:spTgt spid="14"/>
+                                        </p:tgtEl>
+                                        <p:attrNameLst>
+                                          <p:attrName>style.visibility</p:attrName>
+                                        </p:attrNameLst>
+                                      </p:cBhvr>
+                                      <p:to>
+                                        <p:strVal val="visible"/>
+                                      </p:to>
+                                    </p:set>
+                                    <p:animEffect transition="in" filter="fade">
+                                      <p:cBhvr>
+                                        <p:cTn id="24" dur="1000"/>
+                                        <p:tgtEl>
+                                          <p:spTgt spid="14"/>
+                                        </p:tgtEl>
+                                      </p:cBhvr>
+                                    </p:animEffect>
+                                    <p:anim calcmode="lin" valueType="num">
+                                      <p:cBhvr>
+                                        <p:cTn id="25" dur="1000" fill="hold"/>
+                                        <p:tgtEl>
+                                          <p:spTgt spid="14"/>
+                                        </p:tgtEl>
+                                        <p:attrNameLst>
+                                          <p:attrName>ppt_x</p:attrName>
+                                        </p:attrNameLst>
+                                      </p:cBhvr>
+                                      <p:tavLst>
+                                        <p:tav tm="0">
+                                          <p:val>
+                                            <p:strVal val="#ppt_x"/>
+                                          </p:val>
+                                        </p:tav>
+                                        <p:tav tm="100000">
+                                          <p:val>
+                                            <p:strVal val="#ppt_x"/>
+                                          </p:val>
+                                        </p:tav>
+                                      </p:tavLst>
+                                    </p:anim>
+                                    <p:anim calcmode="lin" valueType="num">
+                                      <p:cBhvr>
+                                        <p:cTn id="26" dur="1000" fill="hold"/>
+                                        <p:tgtEl>
+                                          <p:spTgt spid="14"/>
+                                        </p:tgtEl>
+                                        <p:attrNameLst>
+                                          <p:attrName>ppt_y</p:attrName>
+                                        </p:attrNameLst>
+                                      </p:cBhvr>
+                                      <p:tavLst>
+                                        <p:tav tm="0">
+                                          <p:val>
+                                            <p:strVal val="#ppt_y+.1"/>
+                                          </p:val>
+                                        </p:tav>
+                                        <p:tav tm="100000">
+                                          <p:val>
+                                            <p:strVal val="#ppt_y"/>
+                                          </p:val>
+                                        </p:tav>
+                                      </p:tavLst>
+                                    </p:anim>
+                                  </p:childTnLst>
+                                </p:cTn>
+                              </p:par>
+                            </p:childTnLst>
+                          </p:cTn>
+                        </p:par>
+                      </p:childTnLst>
+                    </p:cTn>
+                  </p:par>
+                </p:childTnLst>
+              </p:cTn>
+              <p:prevCondLst>
+                <p:cond evt="onPrev" delay="0">
+                  <p:tgtEl>
+                    <p:sldTgt/>
+                  </p:tgtEl>
+                </p:cond>
+              </p:prevCondLst>
+              <p:nextCondLst>
+                <p:cond evt="onNext" delay="0">
+                  <p:tgtEl>
+                    <p:sldTgt/>
+                  </p:tgtEl>
+                </p:cond>
+              </p:nextCondLst>
+            </p:seq>
+          </p:childTnLst>
+        </p:cTn>
       </p:par>
     </p:tnLst>
+    <p:bldLst>
+      <p:bldP spid="9" grpId="0"/>
+      <p:bldP spid="14" grpId="0"/>
+    </p:bldLst>
   </p:timing>
 </p:sld>
 </file>
@@ -3655,43 +4063,7 @@
                   </a:outerShdw>
                 </a:effectLst>
               </a:rPr>
-              <a:t>Other types </a:t>
-            </a:r>
-            <a:r>
-              <a:rPr lang="en-US" sz="3500" dirty="0" smtClean="0">
-                <a:solidFill>
-                  <a:schemeClr val="tx1">
-                    <a:lumMod val="65000"/>
-                    <a:lumOff val="35000"/>
-                  </a:schemeClr>
-                </a:solidFill>
-                <a:effectLst>
-                  <a:outerShdw blurRad="38100" dist="38100" dir="2700000" algn="tl">
-                    <a:srgbClr val="000000">
-                      <a:alpha val="43137"/>
-                    </a:srgbClr>
-                  </a:outerShdw>
-                </a:effectLst>
-              </a:rPr>
-              <a:t>of </a:t>
-            </a:r>
-            <a:r>
-              <a:rPr lang="en-US" sz="3500" dirty="0" smtClean="0">
-                <a:solidFill>
-                  <a:schemeClr val="tx1">
-                    <a:lumMod val="65000"/>
-                    <a:lumOff val="35000"/>
-                  </a:schemeClr>
-                </a:solidFill>
-                <a:effectLst>
-                  <a:outerShdw blurRad="38100" dist="38100" dir="2700000" algn="tl">
-                    <a:srgbClr val="000000">
-                      <a:alpha val="43137"/>
-                    </a:srgbClr>
-                  </a:outerShdw>
-                </a:effectLst>
-              </a:rPr>
-              <a:t>registered issues</a:t>
+              <a:t>Other types of registered issues</a:t>
             </a:r>
             <a:endParaRPr lang="en-US" sz="3500" dirty="0">
               <a:solidFill>
@@ -3781,9 +4153,6 @@
               </a:rPr>
               <a:t>Hardware</a:t>
             </a:r>
-            <a:endParaRPr lang="en-US" b="1" dirty="0" smtClean="0">
-              <a:latin typeface="+mj-lt"/>
-            </a:endParaRPr>
           </a:p>
           <a:p>
             <a:pPr>
@@ -3823,9 +4192,6 @@
               </a:rPr>
               <a:t>Requirement</a:t>
             </a:r>
-            <a:endParaRPr lang="en-US" b="1" dirty="0" smtClean="0">
-              <a:latin typeface="+mj-lt"/>
-            </a:endParaRPr>
           </a:p>
           <a:p>
             <a:pPr>
@@ -4300,7 +4666,7 @@
         <p:spPr>
           <a:xfrm>
             <a:off x="838200" y="641866"/>
-            <a:ext cx="6600333" cy="630942"/>
+            <a:ext cx="7151766" cy="630942"/>
           </a:xfrm>
           <a:prstGeom prst="rect">
             <a:avLst/>
@@ -4347,7 +4713,7 @@
                   </a:outerShdw>
                 </a:effectLst>
               </a:rPr>
-              <a:t>attributes to describe issue?</a:t>
+              <a:t>attributes to describe an issue?</a:t>
             </a:r>
             <a:endParaRPr lang="en-US" sz="3500" dirty="0">
               <a:solidFill>
@@ -4681,7 +5047,6 @@
               <a:rPr lang="en-US" b="1" dirty="0"/>
               <a:t>Problem category</a:t>
             </a:r>
-            <a:endParaRPr lang="en-US" b="1" dirty="0"/>
           </a:p>
         </p:txBody>
       </p:sp>
@@ -4721,7 +5086,6 @@
               <a:rPr lang="en-US" b="1" dirty="0"/>
               <a:t>Problem type</a:t>
             </a:r>
-            <a:endParaRPr lang="en-US" b="1" dirty="0"/>
           </a:p>
         </p:txBody>
       </p:sp>
@@ -4761,7 +5125,6 @@
               <a:rPr lang="en-US" b="1" dirty="0"/>
               <a:t>Severity</a:t>
             </a:r>
-            <a:endParaRPr lang="en-US" b="1" dirty="0"/>
           </a:p>
         </p:txBody>
       </p:sp>
@@ -4801,7 +5164,6 @@
               <a:rPr lang="en-US" b="1" dirty="0"/>
               <a:t>Priority</a:t>
             </a:r>
-            <a:endParaRPr lang="en-US" b="1" dirty="0"/>
           </a:p>
         </p:txBody>
       </p:sp>
@@ -4841,7 +5203,6 @@
               <a:rPr lang="en-US" b="1" dirty="0"/>
               <a:t>Assigned to</a:t>
             </a:r>
-            <a:endParaRPr lang="en-US" b="1" dirty="0"/>
           </a:p>
         </p:txBody>
       </p:sp>
@@ -4881,7 +5242,6 @@
               <a:rPr lang="en-US" b="1" dirty="0"/>
               <a:t>Status</a:t>
             </a:r>
-            <a:endParaRPr lang="en-US" b="1" dirty="0"/>
           </a:p>
         </p:txBody>
       </p:sp>
@@ -6452,14 +6812,7 @@
                 <a:latin typeface="Aharoni" pitchFamily="2" charset="-79"/>
                 <a:cs typeface="Aharoni" pitchFamily="2" charset="-79"/>
               </a:rPr>
-              <a:t>Provide </a:t>
-            </a:r>
-            <a:r>
-              <a:rPr lang="en-US" sz="1800" dirty="0" smtClean="0">
-                <a:latin typeface="Aharoni" pitchFamily="2" charset="-79"/>
-                <a:cs typeface="Aharoni" pitchFamily="2" charset="-79"/>
-              </a:rPr>
-              <a:t>clear and laconic </a:t>
+              <a:t>Provide clear and laconic </a:t>
             </a:r>
             <a:r>
               <a:rPr lang="en-US" sz="1800" dirty="0" smtClean="0">
@@ -6544,10 +6897,6 @@
               </a:rPr>
               <a:t>defect</a:t>
             </a:r>
-            <a:endParaRPr lang="en-US" sz="1800" dirty="0" smtClean="0">
-              <a:latin typeface="Aharoni" pitchFamily="2" charset="-79"/>
-              <a:cs typeface="Aharoni" pitchFamily="2" charset="-79"/>
-            </a:endParaRPr>
           </a:p>
           <a:p>
             <a:pPr>
@@ -7208,7 +7557,15 @@
           <a:p>
             <a:r>
               <a:rPr lang="en-US" b="1" dirty="0" smtClean="0"/>
-              <a:t>2. Describe the difference between Defect, Deficiency and Enhancement problem types.</a:t>
+              <a:t>2. Describe the difference between </a:t>
+            </a:r>
+            <a:r>
+              <a:rPr lang="en-US" b="1" dirty="0" smtClean="0"/>
+              <a:t>Deficiency </a:t>
+            </a:r>
+            <a:r>
+              <a:rPr lang="en-US" b="1" dirty="0" smtClean="0"/>
+              <a:t>and Enhancement problem types.</a:t>
             </a:r>
             <a:endParaRPr lang="en-US" dirty="0"/>
           </a:p>
@@ -11888,13 +12245,8 @@
             </a:pPr>
             <a:r>
               <a:rPr lang="en-US" b="1" dirty="0" smtClean="0"/>
-              <a:t>What is </a:t>
-            </a:r>
-            <a:r>
-              <a:rPr lang="en-US" b="1" dirty="0" smtClean="0"/>
-              <a:t>a BUG?</a:t>
-            </a:r>
-            <a:endParaRPr lang="en-US" b="1" dirty="0" smtClean="0"/>
+              <a:t>What is a BUG?</a:t>
+            </a:r>
           </a:p>
           <a:p>
             <a:pPr marL="342900" indent="-342900">
@@ -11905,11 +12257,7 @@
             </a:pPr>
             <a:r>
               <a:rPr lang="en-US" b="1" dirty="0" smtClean="0"/>
-              <a:t>What </a:t>
-            </a:r>
-            <a:r>
-              <a:rPr lang="en-US" b="1" dirty="0" smtClean="0"/>
-              <a:t>is the goal of testers?</a:t>
+              <a:t>What is the goal of testers?</a:t>
             </a:r>
           </a:p>
           <a:p>
@@ -11933,11 +12281,7 @@
             </a:pPr>
             <a:r>
               <a:rPr lang="en-US" b="1" dirty="0" smtClean="0"/>
-              <a:t>Types </a:t>
-            </a:r>
-            <a:r>
-              <a:rPr lang="en-US" b="1" dirty="0" smtClean="0"/>
-              <a:t>of defects and problems</a:t>
+              <a:t>Types of defects and problems</a:t>
             </a:r>
           </a:p>
           <a:p>
@@ -11949,15 +12293,7 @@
             </a:pPr>
             <a:r>
               <a:rPr lang="en-US" b="1" dirty="0" smtClean="0"/>
-              <a:t>Description </a:t>
-            </a:r>
-            <a:r>
-              <a:rPr lang="en-US" b="1" dirty="0" smtClean="0"/>
-              <a:t>of the </a:t>
-            </a:r>
-            <a:r>
-              <a:rPr lang="en-US" b="1" dirty="0" smtClean="0"/>
-              <a:t>defect’s attributes and statuses</a:t>
+              <a:t>Description of the defect’s attributes and statuses</a:t>
             </a:r>
           </a:p>
           <a:p>
@@ -11981,11 +12317,7 @@
             </a:pPr>
             <a:r>
               <a:rPr lang="en-US" b="1" dirty="0" smtClean="0"/>
-              <a:t>Defect Tracking </a:t>
-            </a:r>
-            <a:r>
-              <a:rPr lang="en-US" b="1" dirty="0" smtClean="0"/>
-              <a:t>systems</a:t>
+              <a:t>Defect Tracking systems</a:t>
             </a:r>
             <a:endParaRPr lang="en-US" b="1" dirty="0"/>
           </a:p>
@@ -15042,11 +15374,23 @@
             </a:r>
             <a:r>
               <a:rPr lang="en-US" b="1" dirty="0"/>
-              <a:t>features the process of defect </a:t>
+              <a:t>features </a:t>
             </a:r>
             <a:r>
               <a:rPr lang="en-US" b="1" dirty="0" smtClean="0"/>
-              <a:t>tracking.</a:t>
+              <a:t>of </a:t>
+            </a:r>
+            <a:r>
+              <a:rPr lang="en-US" b="1" dirty="0"/>
+              <a:t>defect </a:t>
+            </a:r>
+            <a:r>
+              <a:rPr lang="en-US" b="1" dirty="0"/>
+              <a:t>tracking </a:t>
+            </a:r>
+            <a:r>
+              <a:rPr lang="en-US" b="1" dirty="0" smtClean="0"/>
+              <a:t>process.</a:t>
             </a:r>
             <a:endParaRPr lang="en-US" b="1" dirty="0"/>
           </a:p>
@@ -15075,15 +15419,7 @@
           <a:p>
             <a:r>
               <a:rPr lang="en-US" b="1" dirty="0" smtClean="0"/>
-              <a:t>2. What </a:t>
-            </a:r>
-            <a:r>
-              <a:rPr lang="en-US" b="1" dirty="0" smtClean="0"/>
-              <a:t>Defect </a:t>
-            </a:r>
-            <a:r>
-              <a:rPr lang="en-US" b="1" dirty="0" smtClean="0"/>
-              <a:t>Tracking systems do you know?</a:t>
+              <a:t>2. What Defect Tracking systems do you know?</a:t>
             </a:r>
           </a:p>
           <a:p>
@@ -15820,14 +16156,7 @@
                 <a:latin typeface="Aharoni" pitchFamily="2" charset="-79"/>
                 <a:cs typeface="Aharoni" pitchFamily="2" charset="-79"/>
               </a:rPr>
-              <a:t>is </a:t>
-            </a:r>
-            <a:r>
-              <a:rPr lang="en-US" dirty="0" smtClean="0">
-                <a:latin typeface="Aharoni" pitchFamily="2" charset="-79"/>
-                <a:cs typeface="Aharoni" pitchFamily="2" charset="-79"/>
-              </a:rPr>
-              <a:t>a mismatch between the expected result and actual result of software program behavior.</a:t>
+              <a:t>is a mismatch between the expected result and actual result of software program behavior.</a:t>
             </a:r>
             <a:endParaRPr lang="en-US" dirty="0"/>
           </a:p>
@@ -15894,9 +16223,234 @@
   <p:timing>
     <p:tnLst>
       <p:par>
-        <p:cTn id="1" dur="indefinite" restart="never" nodeType="tmRoot"/>
+        <p:cTn id="1" dur="indefinite" restart="never" nodeType="tmRoot">
+          <p:childTnLst>
+            <p:seq concurrent="1" nextAc="seek">
+              <p:cTn id="2" dur="indefinite" nodeType="mainSeq">
+                <p:childTnLst>
+                  <p:par>
+                    <p:cTn id="3" fill="hold">
+                      <p:stCondLst>
+                        <p:cond delay="indefinite"/>
+                      </p:stCondLst>
+                      <p:childTnLst>
+                        <p:par>
+                          <p:cTn id="4" fill="hold">
+                            <p:stCondLst>
+                              <p:cond delay="0"/>
+                            </p:stCondLst>
+                            <p:childTnLst>
+                              <p:par>
+                                <p:cTn id="5" presetID="42" presetClass="entr" presetSubtype="0" fill="hold" grpId="0" nodeType="clickEffect">
+                                  <p:stCondLst>
+                                    <p:cond delay="0"/>
+                                  </p:stCondLst>
+                                  <p:childTnLst>
+                                    <p:set>
+                                      <p:cBhvr>
+                                        <p:cTn id="6" dur="1" fill="hold">
+                                          <p:stCondLst>
+                                            <p:cond delay="0"/>
+                                          </p:stCondLst>
+                                        </p:cTn>
+                                        <p:tgtEl>
+                                          <p:spTgt spid="2"/>
+                                        </p:tgtEl>
+                                        <p:attrNameLst>
+                                          <p:attrName>style.visibility</p:attrName>
+                                        </p:attrNameLst>
+                                      </p:cBhvr>
+                                      <p:to>
+                                        <p:strVal val="visible"/>
+                                      </p:to>
+                                    </p:set>
+                                    <p:animEffect transition="in" filter="fade">
+                                      <p:cBhvr>
+                                        <p:cTn id="7" dur="1000"/>
+                                        <p:tgtEl>
+                                          <p:spTgt spid="2"/>
+                                        </p:tgtEl>
+                                      </p:cBhvr>
+                                    </p:animEffect>
+                                    <p:anim calcmode="lin" valueType="num">
+                                      <p:cBhvr>
+                                        <p:cTn id="8" dur="1000" fill="hold"/>
+                                        <p:tgtEl>
+                                          <p:spTgt spid="2"/>
+                                        </p:tgtEl>
+                                        <p:attrNameLst>
+                                          <p:attrName>ppt_x</p:attrName>
+                                        </p:attrNameLst>
+                                      </p:cBhvr>
+                                      <p:tavLst>
+                                        <p:tav tm="0">
+                                          <p:val>
+                                            <p:strVal val="#ppt_x"/>
+                                          </p:val>
+                                        </p:tav>
+                                        <p:tav tm="100000">
+                                          <p:val>
+                                            <p:strVal val="#ppt_x"/>
+                                          </p:val>
+                                        </p:tav>
+                                      </p:tavLst>
+                                    </p:anim>
+                                    <p:anim calcmode="lin" valueType="num">
+                                      <p:cBhvr>
+                                        <p:cTn id="9" dur="1000" fill="hold"/>
+                                        <p:tgtEl>
+                                          <p:spTgt spid="2"/>
+                                        </p:tgtEl>
+                                        <p:attrNameLst>
+                                          <p:attrName>ppt_y</p:attrName>
+                                        </p:attrNameLst>
+                                      </p:cBhvr>
+                                      <p:tavLst>
+                                        <p:tav tm="0">
+                                          <p:val>
+                                            <p:strVal val="#ppt_y+.1"/>
+                                          </p:val>
+                                        </p:tav>
+                                        <p:tav tm="100000">
+                                          <p:val>
+                                            <p:strVal val="#ppt_y"/>
+                                          </p:val>
+                                        </p:tav>
+                                      </p:tavLst>
+                                    </p:anim>
+                                  </p:childTnLst>
+                                </p:cTn>
+                              </p:par>
+                            </p:childTnLst>
+                          </p:cTn>
+                        </p:par>
+                      </p:childTnLst>
+                    </p:cTn>
+                  </p:par>
+                  <p:par>
+                    <p:cTn id="10" fill="hold">
+                      <p:stCondLst>
+                        <p:cond delay="indefinite"/>
+                      </p:stCondLst>
+                      <p:childTnLst>
+                        <p:par>
+                          <p:cTn id="11" fill="hold">
+                            <p:stCondLst>
+                              <p:cond delay="0"/>
+                            </p:stCondLst>
+                            <p:childTnLst>
+                              <p:par>
+                                <p:cTn id="12" presetID="42" presetClass="entr" presetSubtype="0" fill="hold" grpId="0" nodeType="clickEffect">
+                                  <p:stCondLst>
+                                    <p:cond delay="0"/>
+                                  </p:stCondLst>
+                                  <p:childTnLst>
+                                    <p:set>
+                                      <p:cBhvr>
+                                        <p:cTn id="13" dur="1" fill="hold">
+                                          <p:stCondLst>
+                                            <p:cond delay="0"/>
+                                          </p:stCondLst>
+                                        </p:cTn>
+                                        <p:tgtEl>
+                                          <p:spTgt spid="7"/>
+                                        </p:tgtEl>
+                                        <p:attrNameLst>
+                                          <p:attrName>style.visibility</p:attrName>
+                                        </p:attrNameLst>
+                                      </p:cBhvr>
+                                      <p:to>
+                                        <p:strVal val="visible"/>
+                                      </p:to>
+                                    </p:set>
+                                    <p:animEffect transition="in" filter="fade">
+                                      <p:cBhvr>
+                                        <p:cTn id="14" dur="1000"/>
+                                        <p:tgtEl>
+                                          <p:spTgt spid="7"/>
+                                        </p:tgtEl>
+                                      </p:cBhvr>
+                                    </p:animEffect>
+                                    <p:anim calcmode="lin" valueType="num">
+                                      <p:cBhvr>
+                                        <p:cTn id="15" dur="1000" fill="hold"/>
+                                        <p:tgtEl>
+                                          <p:spTgt spid="7"/>
+                                        </p:tgtEl>
+                                        <p:attrNameLst>
+                                          <p:attrName>ppt_x</p:attrName>
+                                        </p:attrNameLst>
+                                      </p:cBhvr>
+                                      <p:tavLst>
+                                        <p:tav tm="0">
+                                          <p:val>
+                                            <p:strVal val="#ppt_x"/>
+                                          </p:val>
+                                        </p:tav>
+                                        <p:tav tm="100000">
+                                          <p:val>
+                                            <p:strVal val="#ppt_x"/>
+                                          </p:val>
+                                        </p:tav>
+                                      </p:tavLst>
+                                    </p:anim>
+                                    <p:anim calcmode="lin" valueType="num">
+                                      <p:cBhvr>
+                                        <p:cTn id="16" dur="1000" fill="hold"/>
+                                        <p:tgtEl>
+                                          <p:spTgt spid="7"/>
+                                        </p:tgtEl>
+                                        <p:attrNameLst>
+                                          <p:attrName>ppt_y</p:attrName>
+                                        </p:attrNameLst>
+                                      </p:cBhvr>
+                                      <p:tavLst>
+                                        <p:tav tm="0">
+                                          <p:val>
+                                            <p:strVal val="#ppt_y+.1"/>
+                                          </p:val>
+                                        </p:tav>
+                                        <p:tav tm="100000">
+                                          <p:val>
+                                            <p:strVal val="#ppt_y"/>
+                                          </p:val>
+                                        </p:tav>
+                                      </p:tavLst>
+                                    </p:anim>
+                                  </p:childTnLst>
+                                </p:cTn>
+                              </p:par>
+                            </p:childTnLst>
+                          </p:cTn>
+                        </p:par>
+                      </p:childTnLst>
+                    </p:cTn>
+                  </p:par>
+                </p:childTnLst>
+              </p:cTn>
+              <p:prevCondLst>
+                <p:cond evt="onPrev" delay="0">
+                  <p:tgtEl>
+                    <p:sldTgt/>
+                  </p:tgtEl>
+                </p:cond>
+              </p:prevCondLst>
+              <p:nextCondLst>
+                <p:cond evt="onNext" delay="0">
+                  <p:tgtEl>
+                    <p:sldTgt/>
+                  </p:tgtEl>
+                </p:cond>
+              </p:nextCondLst>
+            </p:seq>
+          </p:childTnLst>
+        </p:cTn>
       </p:par>
     </p:tnLst>
+    <p:bldLst>
+      <p:bldP spid="2" grpId="0"/>
+      <p:bldP spid="7" grpId="0"/>
+    </p:bldLst>
   </p:timing>
 </p:sld>
 </file>
@@ -16347,7 +16901,7 @@
                                 </p:cTn>
                               </p:par>
                               <p:par>
-                                <p:cTn id="17" presetID="10" presetClass="entr" presetSubtype="0" fill="hold" nodeType="withEffect">
+                                <p:cTn id="17" presetID="42" presetClass="entr" presetSubtype="0" fill="hold" nodeType="withEffect">
                                   <p:stCondLst>
                                     <p:cond delay="0"/>
                                   </p:stCondLst>
@@ -16372,12 +16926,58 @@
                                     </p:set>
                                     <p:animEffect transition="in" filter="fade">
                                       <p:cBhvr>
-                                        <p:cTn id="19" dur="500"/>
+                                        <p:cTn id="19" dur="1000"/>
                                         <p:tgtEl>
                                           <p:spTgt spid="2050"/>
                                         </p:tgtEl>
                                       </p:cBhvr>
                                     </p:animEffect>
+                                    <p:anim calcmode="lin" valueType="num">
+                                      <p:cBhvr>
+                                        <p:cTn id="20" dur="1000" fill="hold"/>
+                                        <p:tgtEl>
+                                          <p:spTgt spid="2050"/>
+                                        </p:tgtEl>
+                                        <p:attrNameLst>
+                                          <p:attrName>ppt_x</p:attrName>
+                                        </p:attrNameLst>
+                                      </p:cBhvr>
+                                      <p:tavLst>
+                                        <p:tav tm="0">
+                                          <p:val>
+                                            <p:strVal val="#ppt_x"/>
+                                          </p:val>
+                                        </p:tav>
+                                        <p:tav tm="100000">
+                                          <p:val>
+                                            <p:strVal val="#ppt_x"/>
+                                          </p:val>
+                                        </p:tav>
+                                      </p:tavLst>
+                                    </p:anim>
+                                    <p:anim calcmode="lin" valueType="num">
+                                      <p:cBhvr>
+                                        <p:cTn id="21" dur="1000" fill="hold"/>
+                                        <p:tgtEl>
+                                          <p:spTgt spid="2050"/>
+                                        </p:tgtEl>
+                                        <p:attrNameLst>
+                                          <p:attrName>ppt_y</p:attrName>
+                                        </p:attrNameLst>
+                                      </p:cBhvr>
+                                      <p:tavLst>
+                                        <p:tav tm="0">
+                                          <p:val>
+                                            <p:strVal val="#ppt_y+.1"/>
+                                          </p:val>
+                                        </p:tav>
+                                        <p:tav tm="100000">
+                                          <p:val>
+                                            <p:strVal val="#ppt_y"/>
+                                          </p:val>
+                                        </p:tav>
+                                      </p:tavLst>
+                                    </p:anim>
                                   </p:childTnLst>
                                 </p:cTn>
                               </p:par>
@@ -16388,26 +16988,26 @@
                     </p:cTn>
                   </p:par>
                   <p:par>
-                    <p:cTn id="20" fill="hold">
+                    <p:cTn id="22" fill="hold">
                       <p:stCondLst>
                         <p:cond delay="indefinite"/>
                       </p:stCondLst>
                       <p:childTnLst>
                         <p:par>
-                          <p:cTn id="21" fill="hold">
+                          <p:cTn id="23" fill="hold">
                             <p:stCondLst>
                               <p:cond delay="0"/>
                             </p:stCondLst>
                             <p:childTnLst>
                               <p:par>
-                                <p:cTn id="22" presetID="42" presetClass="entr" presetSubtype="0" fill="hold" grpId="0" nodeType="clickEffect">
+                                <p:cTn id="24" presetID="42" presetClass="entr" presetSubtype="0" fill="hold" grpId="0" nodeType="clickEffect">
                                   <p:stCondLst>
                                     <p:cond delay="0"/>
                                   </p:stCondLst>
                                   <p:childTnLst>
                                     <p:set>
                                       <p:cBhvr>
-                                        <p:cTn id="23" dur="1" fill="hold">
+                                        <p:cTn id="25" dur="1" fill="hold">
                                           <p:stCondLst>
                                             <p:cond delay="0"/>
                                           </p:stCondLst>
@@ -16425,7 +17025,7 @@
                                     </p:set>
                                     <p:animEffect transition="in" filter="fade">
                                       <p:cBhvr>
-                                        <p:cTn id="24" dur="1000"/>
+                                        <p:cTn id="26" dur="1000"/>
                                         <p:tgtEl>
                                           <p:spTgt spid="5"/>
                                         </p:tgtEl>
@@ -16433,7 +17033,7 @@
                                     </p:animEffect>
                                     <p:anim calcmode="lin" valueType="num">
                                       <p:cBhvr>
-                                        <p:cTn id="25" dur="1000" fill="hold"/>
+                                        <p:cTn id="27" dur="1000" fill="hold"/>
                                         <p:tgtEl>
                                           <p:spTgt spid="5"/>
                                         </p:tgtEl>
@@ -16456,7 +17056,7 @@
                                     </p:anim>
                                     <p:anim calcmode="lin" valueType="num">
                                       <p:cBhvr>
-                                        <p:cTn id="26" dur="1000" fill="hold"/>
+                                        <p:cTn id="28" dur="1000" fill="hold"/>
                                         <p:tgtEl>
                                           <p:spTgt spid="5"/>
                                         </p:tgtEl>
@@ -16571,43 +17171,7 @@
                   </a:outerShdw>
                 </a:effectLst>
               </a:rPr>
-              <a:t>Bugs on </a:t>
-            </a:r>
-            <a:r>
-              <a:rPr lang="en-US" sz="3500" dirty="0" smtClean="0">
-                <a:solidFill>
-                  <a:schemeClr val="tx1">
-                    <a:lumMod val="65000"/>
-                    <a:lumOff val="35000"/>
-                  </a:schemeClr>
-                </a:solidFill>
-                <a:effectLst>
-                  <a:outerShdw blurRad="38100" dist="38100" dir="2700000" algn="tl">
-                    <a:srgbClr val="000000">
-                      <a:alpha val="43137"/>
-                    </a:srgbClr>
-                  </a:outerShdw>
-                </a:effectLst>
-              </a:rPr>
-              <a:t>different </a:t>
-            </a:r>
-            <a:r>
-              <a:rPr lang="en-US" sz="3500" dirty="0" smtClean="0">
-                <a:solidFill>
-                  <a:schemeClr val="tx1">
-                    <a:lumMod val="65000"/>
-                    <a:lumOff val="35000"/>
-                  </a:schemeClr>
-                </a:solidFill>
-                <a:effectLst>
-                  <a:outerShdw blurRad="38100" dist="38100" dir="2700000" algn="tl">
-                    <a:srgbClr val="000000">
-                      <a:alpha val="43137"/>
-                    </a:srgbClr>
-                  </a:outerShdw>
-                </a:effectLst>
-              </a:rPr>
-              <a:t>stages</a:t>
+              <a:t>Bugs on different stages</a:t>
             </a:r>
             <a:endParaRPr lang="en-US" sz="3500" dirty="0">
               <a:solidFill>
@@ -17118,61 +17682,7 @@
                   </a:outerShdw>
                 </a:effectLst>
               </a:rPr>
-              <a:t>Reasons of </a:t>
-            </a:r>
-            <a:r>
-              <a:rPr lang="en-US" sz="3500" dirty="0" smtClean="0">
-                <a:solidFill>
-                  <a:schemeClr val="tx1">
-                    <a:lumMod val="65000"/>
-                    <a:lumOff val="35000"/>
-                  </a:schemeClr>
-                </a:solidFill>
-                <a:effectLst>
-                  <a:outerShdw blurRad="38100" dist="38100" dir="2700000" algn="tl">
-                    <a:srgbClr val="000000">
-                      <a:alpha val="43137"/>
-                    </a:srgbClr>
-                  </a:outerShdw>
-                </a:effectLst>
-              </a:rPr>
-              <a:t>registering a </a:t>
-            </a:r>
-            <a:r>
-              <a:rPr lang="en-US" sz="3500" dirty="0" smtClean="0">
-                <a:solidFill>
-                  <a:schemeClr val="tx1">
-                    <a:lumMod val="65000"/>
-                    <a:lumOff val="35000"/>
-                  </a:schemeClr>
-                </a:solidFill>
-                <a:effectLst>
-                  <a:outerShdw blurRad="38100" dist="38100" dir="2700000" algn="tl">
-                    <a:srgbClr val="000000">
-                      <a:alpha val="43137"/>
-                    </a:srgbClr>
-                  </a:outerShdw>
-                </a:effectLst>
-              </a:rPr>
-              <a:t>new </a:t>
-            </a:r>
-            <a:r>
-              <a:rPr lang="en-US" sz="3500" dirty="0" smtClean="0">
-                <a:solidFill>
-                  <a:schemeClr val="tx1">
-                    <a:lumMod val="65000"/>
-                    <a:lumOff val="35000"/>
-                  </a:schemeClr>
-                </a:solidFill>
-                <a:effectLst>
-                  <a:outerShdw blurRad="38100" dist="38100" dir="2700000" algn="tl">
-                    <a:srgbClr val="000000">
-                      <a:alpha val="43137"/>
-                    </a:srgbClr>
-                  </a:outerShdw>
-                </a:effectLst>
-              </a:rPr>
-              <a:t>bug</a:t>
+              <a:t>Reasons of registering a new bug</a:t>
             </a:r>
             <a:endParaRPr lang="en-US" sz="3500" dirty="0">
               <a:solidFill>
@@ -17759,7 +18269,6 @@
               <a:rPr lang="en-US" b="1" dirty="0"/>
               <a:t>Inconvenient use</a:t>
             </a:r>
-            <a:endParaRPr lang="en-US" b="1" dirty="0"/>
           </a:p>
         </p:txBody>
       </p:sp>
@@ -18710,14 +19219,7 @@
                 <a:latin typeface="Aharoni" pitchFamily="2" charset="-79"/>
                 <a:cs typeface="Aharoni" pitchFamily="2" charset="-79"/>
               </a:rPr>
-              <a:t>Bug</a:t>
-            </a:r>
-            <a:r>
-              <a:rPr lang="en-US" dirty="0" smtClean="0">
-                <a:latin typeface="Aharoni" pitchFamily="2" charset="-79"/>
-                <a:cs typeface="Aharoni" pitchFamily="2" charset="-79"/>
-              </a:rPr>
-              <a:t>, Error, Defect, </a:t>
+              <a:t>Bug, Error, Defect, </a:t>
             </a:r>
             <a:r>
               <a:rPr lang="en-US" dirty="0">
@@ -18731,14 +19233,7 @@
                 <a:latin typeface="Aharoni" pitchFamily="2" charset="-79"/>
                 <a:cs typeface="Aharoni" pitchFamily="2" charset="-79"/>
               </a:rPr>
-              <a:t>Failure, Task and so on</a:t>
-            </a:r>
-            <a:r>
-              <a:rPr lang="en-US" dirty="0" smtClean="0">
-                <a:latin typeface="Aharoni" pitchFamily="2" charset="-79"/>
-                <a:cs typeface="Aharoni" pitchFamily="2" charset="-79"/>
-              </a:rPr>
-              <a:t>…</a:t>
+              <a:t>Failure, Task and so on…</a:t>
             </a:r>
             <a:endParaRPr lang="en-US" dirty="0">
               <a:latin typeface="Aharoni" pitchFamily="2" charset="-79"/>
